--- a/presentation/AISSworkgroup.pptx
+++ b/presentation/AISSworkgroup.pptx
@@ -154,7 +154,7 @@
       </p:grpSpPr>
       <p:sp>
         <p:nvSpPr>
-          <p:cNvPr id="140128132" name="Header Placeholder 1"/>
+          <p:cNvPr id="1594282035" name="Header Placeholder 1"/>
           <p:cNvSpPr>
             <a:spLocks noGrp="1"/>
           </p:cNvSpPr>
@@ -188,7 +188,7 @@
       </p:sp>
       <p:sp>
         <p:nvSpPr>
-          <p:cNvPr id="2054732339" name="Date Placeholder 2"/>
+          <p:cNvPr id="56595000" name="Date Placeholder 2"/>
           <p:cNvSpPr>
             <a:spLocks noGrp="1"/>
           </p:cNvSpPr>
@@ -222,7 +222,7 @@
       </p:sp>
       <p:sp>
         <p:nvSpPr>
-          <p:cNvPr id="2086128137" name="Date Placeholder 2"/>
+          <p:cNvPr id="237130606" name="Date Placeholder 2"/>
           <p:cNvSpPr>
             <a:spLocks noGrp="1"/>
           </p:cNvSpPr>
@@ -256,7 +256,7 @@
       </p:sp>
       <p:sp>
         <p:nvSpPr>
-          <p:cNvPr id="123757192" name="Notes Placeholder 4"/>
+          <p:cNvPr id="414955679" name="Notes Placeholder 4"/>
           <p:cNvSpPr>
             <a:spLocks noGrp="1"/>
           </p:cNvSpPr>
@@ -286,7 +286,7 @@
       </p:sp>
       <p:sp>
         <p:nvSpPr>
-          <p:cNvPr id="9311704" name="Footer Placeholder 5"/>
+          <p:cNvPr id="1875400801" name="Footer Placeholder 5"/>
           <p:cNvSpPr>
             <a:spLocks noGrp="1"/>
           </p:cNvSpPr>
@@ -320,7 +320,7 @@
       </p:sp>
       <p:sp>
         <p:nvSpPr>
-          <p:cNvPr id="2080836655" name="Slide Number Placeholder 6"/>
+          <p:cNvPr id="1654169405" name="Slide Number Placeholder 6"/>
           <p:cNvSpPr>
             <a:spLocks noGrp="1"/>
           </p:cNvSpPr>
@@ -470,7 +470,7 @@
       </p:grpSpPr>
       <p:sp>
         <p:nvSpPr>
-          <p:cNvPr id="1664669329" name="Slide Image Placeholder 1"/>
+          <p:cNvPr id="140557385" name="Slide Image Placeholder 1"/>
           <p:cNvSpPr>
             <a:spLocks noChangeAspect="1" noGrp="1" noRot="1"/>
           </p:cNvSpPr>
@@ -482,7 +482,7 @@
       </p:sp>
       <p:sp>
         <p:nvSpPr>
-          <p:cNvPr id="2008382804" name="Notes Placeholder 2"/>
+          <p:cNvPr id="1278300467" name="Notes Placeholder 2"/>
           <p:cNvSpPr>
             <a:spLocks noGrp="1"/>
           </p:cNvSpPr>
@@ -504,7 +504,7 @@
       </p:sp>
       <p:sp>
         <p:nvSpPr>
-          <p:cNvPr id="2004333958" name="Slide Number Placeholder 3"/>
+          <p:cNvPr id="715047815" name="Slide Number Placeholder 3"/>
           <p:cNvSpPr>
             <a:spLocks noGrp="1"/>
           </p:cNvSpPr>
@@ -555,7 +555,7 @@
       </p:grpSpPr>
       <p:sp>
         <p:nvSpPr>
-          <p:cNvPr id="411896259" name="Slide Image Placeholder 1"/>
+          <p:cNvPr id="1844163195" name="Slide Image Placeholder 1"/>
           <p:cNvSpPr>
             <a:spLocks noChangeAspect="1" noGrp="1" noRot="1"/>
           </p:cNvSpPr>
@@ -567,7 +567,7 @@
       </p:sp>
       <p:sp>
         <p:nvSpPr>
-          <p:cNvPr id="370888003" name="Notes Placeholder 2"/>
+          <p:cNvPr id="164573248" name="Notes Placeholder 2"/>
           <p:cNvSpPr>
             <a:spLocks noGrp="1"/>
           </p:cNvSpPr>
@@ -589,7 +589,7 @@
       </p:sp>
       <p:sp>
         <p:nvSpPr>
-          <p:cNvPr id="824506782" name="Slide Number Placeholder 3"/>
+          <p:cNvPr id="369864892" name="Slide Number Placeholder 3"/>
           <p:cNvSpPr>
             <a:spLocks noGrp="1"/>
           </p:cNvSpPr>
@@ -640,7 +640,7 @@
       </p:grpSpPr>
       <p:sp>
         <p:nvSpPr>
-          <p:cNvPr id="585465831" name="Slide Image Placeholder 1"/>
+          <p:cNvPr id="1804252289" name="Slide Image Placeholder 1"/>
           <p:cNvSpPr>
             <a:spLocks noChangeAspect="1" noGrp="1" noRot="1"/>
           </p:cNvSpPr>
@@ -652,7 +652,7 @@
       </p:sp>
       <p:sp>
         <p:nvSpPr>
-          <p:cNvPr id="48083832" name="Notes Placeholder 2"/>
+          <p:cNvPr id="269579879" name="Notes Placeholder 2"/>
           <p:cNvSpPr>
             <a:spLocks noGrp="1"/>
           </p:cNvSpPr>
@@ -674,7 +674,7 @@
       </p:sp>
       <p:sp>
         <p:nvSpPr>
-          <p:cNvPr id="538584451" name="Slide Number Placeholder 3"/>
+          <p:cNvPr id="1068485803" name="Slide Number Placeholder 3"/>
           <p:cNvSpPr>
             <a:spLocks noGrp="1"/>
           </p:cNvSpPr>
@@ -725,7 +725,7 @@
       </p:grpSpPr>
       <p:sp>
         <p:nvSpPr>
-          <p:cNvPr id="1421437491" name="Slide Image Placeholder 1"/>
+          <p:cNvPr id="2000757804" name="Slide Image Placeholder 1"/>
           <p:cNvSpPr>
             <a:spLocks noChangeAspect="1" noGrp="1" noRot="1"/>
           </p:cNvSpPr>
@@ -737,7 +737,7 @@
       </p:sp>
       <p:sp>
         <p:nvSpPr>
-          <p:cNvPr id="1430435370" name="Notes Placeholder 2"/>
+          <p:cNvPr id="1254883135" name="Notes Placeholder 2"/>
           <p:cNvSpPr>
             <a:spLocks noGrp="1"/>
           </p:cNvSpPr>
@@ -759,7 +759,7 @@
       </p:sp>
       <p:sp>
         <p:nvSpPr>
-          <p:cNvPr id="1922034428" name="Slide Number Placeholder 3"/>
+          <p:cNvPr id="1951122725" name="Slide Number Placeholder 3"/>
           <p:cNvSpPr>
             <a:spLocks noGrp="1"/>
           </p:cNvSpPr>
@@ -810,7 +810,7 @@
       </p:grpSpPr>
       <p:sp>
         <p:nvSpPr>
-          <p:cNvPr id="1037365785" name="Slide Image Placeholder 1"/>
+          <p:cNvPr id="1290415712" name="Slide Image Placeholder 1"/>
           <p:cNvSpPr>
             <a:spLocks noChangeAspect="1" noGrp="1" noRot="1"/>
           </p:cNvSpPr>
@@ -822,7 +822,7 @@
       </p:sp>
       <p:sp>
         <p:nvSpPr>
-          <p:cNvPr id="1757330748" name="Notes Placeholder 2"/>
+          <p:cNvPr id="920100638" name="Notes Placeholder 2"/>
           <p:cNvSpPr>
             <a:spLocks noGrp="1"/>
           </p:cNvSpPr>
@@ -844,7 +844,7 @@
       </p:sp>
       <p:sp>
         <p:nvSpPr>
-          <p:cNvPr id="1554725755" name="Slide Number Placeholder 3"/>
+          <p:cNvPr id="1285059233" name="Slide Number Placeholder 3"/>
           <p:cNvSpPr>
             <a:spLocks noGrp="1"/>
           </p:cNvSpPr>
@@ -895,7 +895,7 @@
       </p:grpSpPr>
       <p:sp>
         <p:nvSpPr>
-          <p:cNvPr id="182843139" name="Slide Image Placeholder 1"/>
+          <p:cNvPr id="895966225" name="Slide Image Placeholder 1"/>
           <p:cNvSpPr>
             <a:spLocks noChangeAspect="1" noGrp="1" noRot="1"/>
           </p:cNvSpPr>
@@ -907,7 +907,7 @@
       </p:sp>
       <p:sp>
         <p:nvSpPr>
-          <p:cNvPr id="1765087595" name="Notes Placeholder 2"/>
+          <p:cNvPr id="1548888093" name="Notes Placeholder 2"/>
           <p:cNvSpPr>
             <a:spLocks noGrp="1"/>
           </p:cNvSpPr>
@@ -929,7 +929,7 @@
       </p:sp>
       <p:sp>
         <p:nvSpPr>
-          <p:cNvPr id="369519304" name="Slide Number Placeholder 3"/>
+          <p:cNvPr id="1803974607" name="Slide Number Placeholder 3"/>
           <p:cNvSpPr>
             <a:spLocks noGrp="1"/>
           </p:cNvSpPr>
@@ -980,7 +980,7 @@
       </p:grpSpPr>
       <p:sp>
         <p:nvSpPr>
-          <p:cNvPr id="1802312496" name="Slide Image Placeholder 1"/>
+          <p:cNvPr id="1850881565" name="Slide Image Placeholder 1"/>
           <p:cNvSpPr>
             <a:spLocks noChangeAspect="1" noGrp="1" noRot="1"/>
           </p:cNvSpPr>
@@ -992,7 +992,7 @@
       </p:sp>
       <p:sp>
         <p:nvSpPr>
-          <p:cNvPr id="1116554983" name="Notes Placeholder 2"/>
+          <p:cNvPr id="1827347361" name="Notes Placeholder 2"/>
           <p:cNvSpPr>
             <a:spLocks noGrp="1"/>
           </p:cNvSpPr>
@@ -1014,7 +1014,7 @@
       </p:sp>
       <p:sp>
         <p:nvSpPr>
-          <p:cNvPr id="1549801596" name="Slide Number Placeholder 3"/>
+          <p:cNvPr id="1147133402" name="Slide Number Placeholder 3"/>
           <p:cNvSpPr>
             <a:spLocks noGrp="1"/>
           </p:cNvSpPr>
@@ -1065,7 +1065,7 @@
       </p:grpSpPr>
       <p:sp>
         <p:nvSpPr>
-          <p:cNvPr id="1180111380" name="Slide Image Placeholder 1"/>
+          <p:cNvPr id="120306486" name="Slide Image Placeholder 1"/>
           <p:cNvSpPr>
             <a:spLocks noChangeAspect="1" noGrp="1" noRot="1"/>
           </p:cNvSpPr>
@@ -1077,7 +1077,7 @@
       </p:sp>
       <p:sp>
         <p:nvSpPr>
-          <p:cNvPr id="1138885636" name="Notes Placeholder 2"/>
+          <p:cNvPr id="576083338" name="Notes Placeholder 2"/>
           <p:cNvSpPr>
             <a:spLocks noGrp="1"/>
           </p:cNvSpPr>
@@ -1099,7 +1099,7 @@
       </p:sp>
       <p:sp>
         <p:nvSpPr>
-          <p:cNvPr id="1484880585" name="Slide Number Placeholder 3"/>
+          <p:cNvPr id="1536938124" name="Slide Number Placeholder 3"/>
           <p:cNvSpPr>
             <a:spLocks noGrp="1"/>
           </p:cNvSpPr>
@@ -1150,7 +1150,7 @@
       </p:grpSpPr>
       <p:sp>
         <p:nvSpPr>
-          <p:cNvPr id="516458909" name="Slide Image Placeholder 1"/>
+          <p:cNvPr id="1856056365" name="Slide Image Placeholder 1"/>
           <p:cNvSpPr>
             <a:spLocks noChangeAspect="1" noGrp="1" noRot="1"/>
           </p:cNvSpPr>
@@ -1162,7 +1162,7 @@
       </p:sp>
       <p:sp>
         <p:nvSpPr>
-          <p:cNvPr id="708940064" name="Notes Placeholder 2"/>
+          <p:cNvPr id="2114572512" name="Notes Placeholder 2"/>
           <p:cNvSpPr>
             <a:spLocks noGrp="1"/>
           </p:cNvSpPr>
@@ -1184,7 +1184,7 @@
       </p:sp>
       <p:sp>
         <p:nvSpPr>
-          <p:cNvPr id="1840905370" name="Slide Number Placeholder 3"/>
+          <p:cNvPr id="940822876" name="Slide Number Placeholder 3"/>
           <p:cNvSpPr>
             <a:spLocks noGrp="1"/>
           </p:cNvSpPr>
@@ -1235,7 +1235,7 @@
       </p:grpSpPr>
       <p:sp>
         <p:nvSpPr>
-          <p:cNvPr id="1998232581" name="Slide Image Placeholder 1"/>
+          <p:cNvPr id="795563364" name="Slide Image Placeholder 1"/>
           <p:cNvSpPr>
             <a:spLocks noChangeAspect="1" noGrp="1" noRot="1"/>
           </p:cNvSpPr>
@@ -1247,7 +1247,7 @@
       </p:sp>
       <p:sp>
         <p:nvSpPr>
-          <p:cNvPr id="1019131540" name="Notes Placeholder 2"/>
+          <p:cNvPr id="1516385115" name="Notes Placeholder 2"/>
           <p:cNvSpPr>
             <a:spLocks noGrp="1"/>
           </p:cNvSpPr>
@@ -1269,7 +1269,7 @@
       </p:sp>
       <p:sp>
         <p:nvSpPr>
-          <p:cNvPr id="169888675" name="Slide Number Placeholder 3"/>
+          <p:cNvPr id="533158112" name="Slide Number Placeholder 3"/>
           <p:cNvSpPr>
             <a:spLocks noGrp="1"/>
           </p:cNvSpPr>
@@ -1320,7 +1320,7 @@
       </p:grpSpPr>
       <p:sp>
         <p:nvSpPr>
-          <p:cNvPr id="1966585721" name="Slide Image Placeholder 1"/>
+          <p:cNvPr id="914365021" name="Slide Image Placeholder 1"/>
           <p:cNvSpPr>
             <a:spLocks noChangeAspect="1" noGrp="1" noRot="1"/>
           </p:cNvSpPr>
@@ -1332,7 +1332,7 @@
       </p:sp>
       <p:sp>
         <p:nvSpPr>
-          <p:cNvPr id="147981221" name="Notes Placeholder 2"/>
+          <p:cNvPr id="605227434" name="Notes Placeholder 2"/>
           <p:cNvSpPr>
             <a:spLocks noGrp="1"/>
           </p:cNvSpPr>
@@ -1354,7 +1354,7 @@
       </p:sp>
       <p:sp>
         <p:nvSpPr>
-          <p:cNvPr id="493440116" name="Slide Number Placeholder 3"/>
+          <p:cNvPr id="1937448537" name="Slide Number Placeholder 3"/>
           <p:cNvSpPr>
             <a:spLocks noGrp="1"/>
           </p:cNvSpPr>
@@ -1405,7 +1405,7 @@
       </p:grpSpPr>
       <p:sp>
         <p:nvSpPr>
-          <p:cNvPr id="535923117" name="Slide Image Placeholder 1"/>
+          <p:cNvPr id="1015656988" name="Slide Image Placeholder 1"/>
           <p:cNvSpPr>
             <a:spLocks noChangeAspect="1" noGrp="1" noRot="1"/>
           </p:cNvSpPr>
@@ -1417,7 +1417,7 @@
       </p:sp>
       <p:sp>
         <p:nvSpPr>
-          <p:cNvPr id="313839743" name="Notes Placeholder 2"/>
+          <p:cNvPr id="1684338494" name="Notes Placeholder 2"/>
           <p:cNvSpPr>
             <a:spLocks noGrp="1"/>
           </p:cNvSpPr>
@@ -1439,7 +1439,7 @@
       </p:sp>
       <p:sp>
         <p:nvSpPr>
-          <p:cNvPr id="2094719257" name="Slide Number Placeholder 3"/>
+          <p:cNvPr id="2134467371" name="Slide Number Placeholder 3"/>
           <p:cNvSpPr>
             <a:spLocks noGrp="1"/>
           </p:cNvSpPr>
@@ -1490,7 +1490,7 @@
       </p:grpSpPr>
       <p:sp>
         <p:nvSpPr>
-          <p:cNvPr id="949251362" name="Slide Image Placeholder 1"/>
+          <p:cNvPr id="563314694" name="Slide Image Placeholder 1"/>
           <p:cNvSpPr>
             <a:spLocks noChangeAspect="1" noGrp="1" noRot="1"/>
           </p:cNvSpPr>
@@ -1502,7 +1502,7 @@
       </p:sp>
       <p:sp>
         <p:nvSpPr>
-          <p:cNvPr id="1110500073" name="Notes Placeholder 2"/>
+          <p:cNvPr id="1338479892" name="Notes Placeholder 2"/>
           <p:cNvSpPr>
             <a:spLocks noGrp="1"/>
           </p:cNvSpPr>
@@ -1524,7 +1524,7 @@
       </p:sp>
       <p:sp>
         <p:nvSpPr>
-          <p:cNvPr id="562764338" name="Slide Number Placeholder 3"/>
+          <p:cNvPr id="600322337" name="Slide Number Placeholder 3"/>
           <p:cNvSpPr>
             <a:spLocks noGrp="1"/>
           </p:cNvSpPr>
@@ -1575,7 +1575,7 @@
       </p:grpSpPr>
       <p:sp>
         <p:nvSpPr>
-          <p:cNvPr id="1137492909" name="Slide Image Placeholder 1"/>
+          <p:cNvPr id="1864666907" name="Slide Image Placeholder 1"/>
           <p:cNvSpPr>
             <a:spLocks noChangeAspect="1" noGrp="1" noRot="1"/>
           </p:cNvSpPr>
@@ -1587,7 +1587,7 @@
       </p:sp>
       <p:sp>
         <p:nvSpPr>
-          <p:cNvPr id="1513043795" name="Notes Placeholder 2"/>
+          <p:cNvPr id="804698847" name="Notes Placeholder 2"/>
           <p:cNvSpPr>
             <a:spLocks noGrp="1"/>
           </p:cNvSpPr>
@@ -1609,7 +1609,7 @@
       </p:sp>
       <p:sp>
         <p:nvSpPr>
-          <p:cNvPr id="164578041" name="Slide Number Placeholder 3"/>
+          <p:cNvPr id="1818695262" name="Slide Number Placeholder 3"/>
           <p:cNvSpPr>
             <a:spLocks noGrp="1"/>
           </p:cNvSpPr>
@@ -1660,7 +1660,7 @@
       </p:grpSpPr>
       <p:sp>
         <p:nvSpPr>
-          <p:cNvPr id="234531673" name="Slide Image Placeholder 1"/>
+          <p:cNvPr id="646586724" name="Slide Image Placeholder 1"/>
           <p:cNvSpPr>
             <a:spLocks noChangeAspect="1" noGrp="1" noRot="1"/>
           </p:cNvSpPr>
@@ -1672,7 +1672,7 @@
       </p:sp>
       <p:sp>
         <p:nvSpPr>
-          <p:cNvPr id="1937704234" name="Notes Placeholder 2"/>
+          <p:cNvPr id="1700135677" name="Notes Placeholder 2"/>
           <p:cNvSpPr>
             <a:spLocks noGrp="1"/>
           </p:cNvSpPr>
@@ -1694,7 +1694,7 @@
       </p:sp>
       <p:sp>
         <p:nvSpPr>
-          <p:cNvPr id="1947496029" name="Slide Number Placeholder 3"/>
+          <p:cNvPr id="1702858892" name="Slide Number Placeholder 3"/>
           <p:cNvSpPr>
             <a:spLocks noGrp="1"/>
           </p:cNvSpPr>
@@ -1745,7 +1745,7 @@
       </p:grpSpPr>
       <p:sp>
         <p:nvSpPr>
-          <p:cNvPr id="1100043045" name="Slide Image Placeholder 1"/>
+          <p:cNvPr id="1662616763" name="Slide Image Placeholder 1"/>
           <p:cNvSpPr>
             <a:spLocks noChangeAspect="1" noGrp="1" noRot="1"/>
           </p:cNvSpPr>
@@ -1757,7 +1757,7 @@
       </p:sp>
       <p:sp>
         <p:nvSpPr>
-          <p:cNvPr id="623105199" name="Notes Placeholder 2"/>
+          <p:cNvPr id="867483042" name="Notes Placeholder 2"/>
           <p:cNvSpPr>
             <a:spLocks noGrp="1"/>
           </p:cNvSpPr>
@@ -1779,7 +1779,7 @@
       </p:sp>
       <p:sp>
         <p:nvSpPr>
-          <p:cNvPr id="255556310" name="Slide Number Placeholder 3"/>
+          <p:cNvPr id="1814474499" name="Slide Number Placeholder 3"/>
           <p:cNvSpPr>
             <a:spLocks noGrp="1"/>
           </p:cNvSpPr>
@@ -1830,7 +1830,7 @@
       </p:grpSpPr>
       <p:sp>
         <p:nvSpPr>
-          <p:cNvPr id="1919613902" name="Slide Image Placeholder 1"/>
+          <p:cNvPr id="703231423" name="Slide Image Placeholder 1"/>
           <p:cNvSpPr>
             <a:spLocks noChangeAspect="1" noGrp="1" noRot="1"/>
           </p:cNvSpPr>
@@ -1842,7 +1842,7 @@
       </p:sp>
       <p:sp>
         <p:nvSpPr>
-          <p:cNvPr id="731132709" name="Notes Placeholder 2"/>
+          <p:cNvPr id="805783782" name="Notes Placeholder 2"/>
           <p:cNvSpPr>
             <a:spLocks noGrp="1"/>
           </p:cNvSpPr>
@@ -1864,7 +1864,7 @@
       </p:sp>
       <p:sp>
         <p:nvSpPr>
-          <p:cNvPr id="283228215" name="Slide Number Placeholder 3"/>
+          <p:cNvPr id="1613615011" name="Slide Number Placeholder 3"/>
           <p:cNvSpPr>
             <a:spLocks noGrp="1"/>
           </p:cNvSpPr>
@@ -1915,7 +1915,7 @@
       </p:grpSpPr>
       <p:sp>
         <p:nvSpPr>
-          <p:cNvPr id="1088983271" name="Slide Image Placeholder 1"/>
+          <p:cNvPr id="114451505" name="Slide Image Placeholder 1"/>
           <p:cNvSpPr>
             <a:spLocks noChangeAspect="1" noGrp="1" noRot="1"/>
           </p:cNvSpPr>
@@ -1927,7 +1927,7 @@
       </p:sp>
       <p:sp>
         <p:nvSpPr>
-          <p:cNvPr id="1798878622" name="Notes Placeholder 2"/>
+          <p:cNvPr id="1019591941" name="Notes Placeholder 2"/>
           <p:cNvSpPr>
             <a:spLocks noGrp="1"/>
           </p:cNvSpPr>
@@ -1949,7 +1949,7 @@
       </p:sp>
       <p:sp>
         <p:nvSpPr>
-          <p:cNvPr id="1796195404" name="Slide Number Placeholder 3"/>
+          <p:cNvPr id="108346019" name="Slide Number Placeholder 3"/>
           <p:cNvSpPr>
             <a:spLocks noGrp="1"/>
           </p:cNvSpPr>
@@ -2000,7 +2000,7 @@
       </p:grpSpPr>
       <p:sp>
         <p:nvSpPr>
-          <p:cNvPr id="1047147297" name="Slide Image Placeholder 1"/>
+          <p:cNvPr id="1228474182" name="Slide Image Placeholder 1"/>
           <p:cNvSpPr>
             <a:spLocks noChangeAspect="1" noGrp="1" noRot="1"/>
           </p:cNvSpPr>
@@ -2012,7 +2012,7 @@
       </p:sp>
       <p:sp>
         <p:nvSpPr>
-          <p:cNvPr id="588232700" name="Notes Placeholder 2"/>
+          <p:cNvPr id="1931629146" name="Notes Placeholder 2"/>
           <p:cNvSpPr>
             <a:spLocks noGrp="1"/>
           </p:cNvSpPr>
@@ -2034,7 +2034,7 @@
       </p:sp>
       <p:sp>
         <p:nvSpPr>
-          <p:cNvPr id="1791447195" name="Slide Number Placeholder 3"/>
+          <p:cNvPr id="1516922209" name="Slide Number Placeholder 3"/>
           <p:cNvSpPr>
             <a:spLocks noGrp="1"/>
           </p:cNvSpPr>
@@ -2085,7 +2085,7 @@
       </p:grpSpPr>
       <p:sp>
         <p:nvSpPr>
-          <p:cNvPr id="1571580602" name="Slide Image Placeholder 1"/>
+          <p:cNvPr id="2125986269" name="Slide Image Placeholder 1"/>
           <p:cNvSpPr>
             <a:spLocks noChangeAspect="1" noGrp="1" noRot="1"/>
           </p:cNvSpPr>
@@ -2097,7 +2097,7 @@
       </p:sp>
       <p:sp>
         <p:nvSpPr>
-          <p:cNvPr id="179450248" name="Notes Placeholder 2"/>
+          <p:cNvPr id="630880103" name="Notes Placeholder 2"/>
           <p:cNvSpPr>
             <a:spLocks noGrp="1"/>
           </p:cNvSpPr>
@@ -2119,7 +2119,7 @@
       </p:sp>
       <p:sp>
         <p:nvSpPr>
-          <p:cNvPr id="1304988675" name="Slide Number Placeholder 3"/>
+          <p:cNvPr id="1249274197" name="Slide Number Placeholder 3"/>
           <p:cNvSpPr>
             <a:spLocks noGrp="1"/>
           </p:cNvSpPr>
@@ -2170,7 +2170,7 @@
       </p:grpSpPr>
       <p:sp>
         <p:nvSpPr>
-          <p:cNvPr id="1631258660" name="Slide Image Placeholder 1"/>
+          <p:cNvPr id="1773377121" name="Slide Image Placeholder 1"/>
           <p:cNvSpPr>
             <a:spLocks noChangeAspect="1" noGrp="1" noRot="1"/>
           </p:cNvSpPr>
@@ -2182,7 +2182,7 @@
       </p:sp>
       <p:sp>
         <p:nvSpPr>
-          <p:cNvPr id="155657297" name="Notes Placeholder 2"/>
+          <p:cNvPr id="2076381744" name="Notes Placeholder 2"/>
           <p:cNvSpPr>
             <a:spLocks noGrp="1"/>
           </p:cNvSpPr>
@@ -2204,7 +2204,7 @@
       </p:sp>
       <p:sp>
         <p:nvSpPr>
-          <p:cNvPr id="445787466" name="Slide Number Placeholder 3"/>
+          <p:cNvPr id="749266644" name="Slide Number Placeholder 3"/>
           <p:cNvSpPr>
             <a:spLocks noGrp="1"/>
           </p:cNvSpPr>
@@ -2255,7 +2255,7 @@
       </p:grpSpPr>
       <p:sp>
         <p:nvSpPr>
-          <p:cNvPr id="1735682155" name="Titolo 1"/>
+          <p:cNvPr id="1055659861" name="Titolo 1"/>
           <p:cNvSpPr>
             <a:spLocks noGrp="1"/>
           </p:cNvSpPr>
@@ -2290,7 +2290,7 @@
       </p:sp>
       <p:sp>
         <p:nvSpPr>
-          <p:cNvPr id="877314596" name="Sottotitolo 2"/>
+          <p:cNvPr id="468198022" name="Sottotitolo 2"/>
           <p:cNvSpPr>
             <a:spLocks noGrp="1"/>
           </p:cNvSpPr>
@@ -2358,7 +2358,7 @@
       </p:sp>
       <p:sp>
         <p:nvSpPr>
-          <p:cNvPr id="1790186000" name="Segnaposto data 3"/>
+          <p:cNvPr id="1202856077" name="Segnaposto data 3"/>
           <p:cNvSpPr>
             <a:spLocks noGrp="1"/>
           </p:cNvSpPr>
@@ -2384,7 +2384,7 @@
       </p:sp>
       <p:sp>
         <p:nvSpPr>
-          <p:cNvPr id="1590781390" name="Segnaposto piè di pagina 4"/>
+          <p:cNvPr id="1190700079" name="Segnaposto piè di pagina 4"/>
           <p:cNvSpPr>
             <a:spLocks noGrp="1"/>
           </p:cNvSpPr>
@@ -2410,7 +2410,7 @@
       </p:sp>
       <p:sp>
         <p:nvSpPr>
-          <p:cNvPr id="1668940144" name="Segnaposto numero diapositiva 5"/>
+          <p:cNvPr id="2026376442" name="Segnaposto numero diapositiva 5"/>
           <p:cNvSpPr>
             <a:spLocks noGrp="1"/>
           </p:cNvSpPr>
@@ -2461,7 +2461,7 @@
       </p:grpSpPr>
       <p:sp>
         <p:nvSpPr>
-          <p:cNvPr id="1883788828" name="Titolo 1"/>
+          <p:cNvPr id="1369037179" name="Titolo 1"/>
           <p:cNvSpPr>
             <a:spLocks noGrp="1"/>
           </p:cNvSpPr>
@@ -2487,7 +2487,7 @@
       </p:sp>
       <p:sp>
         <p:nvSpPr>
-          <p:cNvPr id="160365027" name="Segnaposto testo verticale 2"/>
+          <p:cNvPr id="801300740" name="Segnaposto testo verticale 2"/>
           <p:cNvSpPr>
             <a:spLocks noGrp="1"/>
           </p:cNvSpPr>
@@ -2553,7 +2553,7 @@
       </p:sp>
       <p:sp>
         <p:nvSpPr>
-          <p:cNvPr id="126658017" name="Segnaposto data 3"/>
+          <p:cNvPr id="445675354" name="Segnaposto data 3"/>
           <p:cNvSpPr>
             <a:spLocks noGrp="1"/>
           </p:cNvSpPr>
@@ -2579,7 +2579,7 @@
       </p:sp>
       <p:sp>
         <p:nvSpPr>
-          <p:cNvPr id="405979412" name="Segnaposto piè di pagina 4"/>
+          <p:cNvPr id="1526271213" name="Segnaposto piè di pagina 4"/>
           <p:cNvSpPr>
             <a:spLocks noGrp="1"/>
           </p:cNvSpPr>
@@ -2605,7 +2605,7 @@
       </p:sp>
       <p:sp>
         <p:nvSpPr>
-          <p:cNvPr id="632870797" name="Segnaposto numero diapositiva 5"/>
+          <p:cNvPr id="156402395" name="Segnaposto numero diapositiva 5"/>
           <p:cNvSpPr>
             <a:spLocks noGrp="1"/>
           </p:cNvSpPr>
@@ -2656,7 +2656,7 @@
       </p:grpSpPr>
       <p:sp>
         <p:nvSpPr>
-          <p:cNvPr id="1329048258" name="Titolo verticale 1"/>
+          <p:cNvPr id="1154672473" name="Titolo verticale 1"/>
           <p:cNvSpPr>
             <a:spLocks noGrp="1"/>
           </p:cNvSpPr>
@@ -2687,7 +2687,7 @@
       </p:sp>
       <p:sp>
         <p:nvSpPr>
-          <p:cNvPr id="2107029402" name="Segnaposto testo verticale 2"/>
+          <p:cNvPr id="1306359648" name="Segnaposto testo verticale 2"/>
           <p:cNvSpPr>
             <a:spLocks noGrp="1"/>
           </p:cNvSpPr>
@@ -2758,7 +2758,7 @@
       </p:sp>
       <p:sp>
         <p:nvSpPr>
-          <p:cNvPr id="1575027787" name="Segnaposto data 3"/>
+          <p:cNvPr id="1813061035" name="Segnaposto data 3"/>
           <p:cNvSpPr>
             <a:spLocks noGrp="1"/>
           </p:cNvSpPr>
@@ -2784,7 +2784,7 @@
       </p:sp>
       <p:sp>
         <p:nvSpPr>
-          <p:cNvPr id="2017761956" name="Segnaposto piè di pagina 4"/>
+          <p:cNvPr id="1100405453" name="Segnaposto piè di pagina 4"/>
           <p:cNvSpPr>
             <a:spLocks noGrp="1"/>
           </p:cNvSpPr>
@@ -2810,7 +2810,7 @@
       </p:sp>
       <p:sp>
         <p:nvSpPr>
-          <p:cNvPr id="474117172" name="Segnaposto numero diapositiva 5"/>
+          <p:cNvPr id="1095970665" name="Segnaposto numero diapositiva 5"/>
           <p:cNvSpPr>
             <a:spLocks noGrp="1"/>
           </p:cNvSpPr>
@@ -2861,7 +2861,7 @@
       </p:grpSpPr>
       <p:sp>
         <p:nvSpPr>
-          <p:cNvPr id="1597213083" name="Titolo 1"/>
+          <p:cNvPr id="1698149253" name="Titolo 1"/>
           <p:cNvSpPr>
             <a:spLocks noGrp="1"/>
           </p:cNvSpPr>
@@ -2887,7 +2887,7 @@
       </p:sp>
       <p:sp>
         <p:nvSpPr>
-          <p:cNvPr id="1870676913" name="Segnaposto contenuto 2"/>
+          <p:cNvPr id="1937609777" name="Segnaposto contenuto 2"/>
           <p:cNvSpPr>
             <a:spLocks noGrp="1"/>
           </p:cNvSpPr>
@@ -2953,7 +2953,7 @@
       </p:sp>
       <p:sp>
         <p:nvSpPr>
-          <p:cNvPr id="1646249001" name="Segnaposto data 3"/>
+          <p:cNvPr id="1957779406" name="Segnaposto data 3"/>
           <p:cNvSpPr>
             <a:spLocks noGrp="1"/>
           </p:cNvSpPr>
@@ -2979,7 +2979,7 @@
       </p:sp>
       <p:sp>
         <p:nvSpPr>
-          <p:cNvPr id="9475279" name="Segnaposto piè di pagina 4"/>
+          <p:cNvPr id="1780126439" name="Segnaposto piè di pagina 4"/>
           <p:cNvSpPr>
             <a:spLocks noGrp="1"/>
           </p:cNvSpPr>
@@ -3005,7 +3005,7 @@
       </p:sp>
       <p:sp>
         <p:nvSpPr>
-          <p:cNvPr id="1403286793" name="Segnaposto numero diapositiva 5"/>
+          <p:cNvPr id="1689334477" name="Segnaposto numero diapositiva 5"/>
           <p:cNvSpPr>
             <a:spLocks noGrp="1"/>
           </p:cNvSpPr>
@@ -3023,7 +3023,7 @@
             </a:pPr>
             <a:fld id="{66CD45B7-DFE2-4393-8D37-380FC36BF3AA}" type="slidenum">
               <a:rPr lang="de-DE"/>
-              <a:t>21</a:t>
+              <a:t>9</a:t>
             </a:fld>
             <a:endParaRPr lang="de-DE"/>
           </a:p>
@@ -3056,7 +3056,7 @@
       </p:grpSpPr>
       <p:sp>
         <p:nvSpPr>
-          <p:cNvPr id="2072531709" name="Titolo 1"/>
+          <p:cNvPr id="1646716399" name="Titolo 1"/>
           <p:cNvSpPr>
             <a:spLocks noGrp="1"/>
           </p:cNvSpPr>
@@ -3091,7 +3091,7 @@
       </p:sp>
       <p:sp>
         <p:nvSpPr>
-          <p:cNvPr id="2146893244" name="Segnaposto testo 2"/>
+          <p:cNvPr id="1894851817" name="Segnaposto testo 2"/>
           <p:cNvSpPr>
             <a:spLocks noGrp="1"/>
           </p:cNvSpPr>
@@ -3213,7 +3213,7 @@
       </p:sp>
       <p:sp>
         <p:nvSpPr>
-          <p:cNvPr id="773893731" name="Segnaposto data 3"/>
+          <p:cNvPr id="1732925956" name="Segnaposto data 3"/>
           <p:cNvSpPr>
             <a:spLocks noGrp="1"/>
           </p:cNvSpPr>
@@ -3239,7 +3239,7 @@
       </p:sp>
       <p:sp>
         <p:nvSpPr>
-          <p:cNvPr id="674878262" name="Segnaposto piè di pagina 4"/>
+          <p:cNvPr id="1455039969" name="Segnaposto piè di pagina 4"/>
           <p:cNvSpPr>
             <a:spLocks noGrp="1"/>
           </p:cNvSpPr>
@@ -3265,7 +3265,7 @@
       </p:sp>
       <p:sp>
         <p:nvSpPr>
-          <p:cNvPr id="1531399354" name="Segnaposto numero diapositiva 5"/>
+          <p:cNvPr id="1021676640" name="Segnaposto numero diapositiva 5"/>
           <p:cNvSpPr>
             <a:spLocks noGrp="1"/>
           </p:cNvSpPr>
@@ -3316,7 +3316,7 @@
       </p:grpSpPr>
       <p:sp>
         <p:nvSpPr>
-          <p:cNvPr id="1607578651" name="Titolo 1"/>
+          <p:cNvPr id="474053864" name="Titolo 1"/>
           <p:cNvSpPr>
             <a:spLocks noGrp="1"/>
           </p:cNvSpPr>
@@ -3342,7 +3342,7 @@
       </p:sp>
       <p:sp>
         <p:nvSpPr>
-          <p:cNvPr id="1703705786" name="Segnaposto contenuto 2"/>
+          <p:cNvPr id="1387398084" name="Segnaposto contenuto 2"/>
           <p:cNvSpPr>
             <a:spLocks noGrp="1"/>
           </p:cNvSpPr>
@@ -3413,7 +3413,7 @@
       </p:sp>
       <p:sp>
         <p:nvSpPr>
-          <p:cNvPr id="1967382076" name="Segnaposto contenuto 3"/>
+          <p:cNvPr id="1569909829" name="Segnaposto contenuto 3"/>
           <p:cNvSpPr>
             <a:spLocks noGrp="1"/>
           </p:cNvSpPr>
@@ -3484,7 +3484,7 @@
       </p:sp>
       <p:sp>
         <p:nvSpPr>
-          <p:cNvPr id="2146921100" name="Segnaposto data 4"/>
+          <p:cNvPr id="1516717237" name="Segnaposto data 4"/>
           <p:cNvSpPr>
             <a:spLocks noGrp="1"/>
           </p:cNvSpPr>
@@ -3510,7 +3510,7 @@
       </p:sp>
       <p:sp>
         <p:nvSpPr>
-          <p:cNvPr id="184800856" name="Segnaposto piè di pagina 5"/>
+          <p:cNvPr id="478392322" name="Segnaposto piè di pagina 5"/>
           <p:cNvSpPr>
             <a:spLocks noGrp="1"/>
           </p:cNvSpPr>
@@ -3536,7 +3536,7 @@
       </p:sp>
       <p:sp>
         <p:nvSpPr>
-          <p:cNvPr id="1017818043" name="Segnaposto numero diapositiva 6"/>
+          <p:cNvPr id="1277546770" name="Segnaposto numero diapositiva 6"/>
           <p:cNvSpPr>
             <a:spLocks noGrp="1"/>
           </p:cNvSpPr>
@@ -3587,7 +3587,7 @@
       </p:grpSpPr>
       <p:sp>
         <p:nvSpPr>
-          <p:cNvPr id="1834224909" name="Titolo 1"/>
+          <p:cNvPr id="866287660" name="Titolo 1"/>
           <p:cNvSpPr>
             <a:spLocks noGrp="1"/>
           </p:cNvSpPr>
@@ -3618,7 +3618,7 @@
       </p:sp>
       <p:sp>
         <p:nvSpPr>
-          <p:cNvPr id="1767264594" name="Segnaposto testo 2"/>
+          <p:cNvPr id="1822984705" name="Segnaposto testo 2"/>
           <p:cNvSpPr>
             <a:spLocks noGrp="1"/>
           </p:cNvSpPr>
@@ -3686,7 +3686,7 @@
       </p:sp>
       <p:sp>
         <p:nvSpPr>
-          <p:cNvPr id="1013447144" name="Segnaposto contenuto 3"/>
+          <p:cNvPr id="496018232" name="Segnaposto contenuto 3"/>
           <p:cNvSpPr>
             <a:spLocks noGrp="1"/>
           </p:cNvSpPr>
@@ -3757,7 +3757,7 @@
       </p:sp>
       <p:sp>
         <p:nvSpPr>
-          <p:cNvPr id="842504031" name="Segnaposto testo 4"/>
+          <p:cNvPr id="1831300076" name="Segnaposto testo 4"/>
           <p:cNvSpPr>
             <a:spLocks noGrp="1"/>
           </p:cNvSpPr>
@@ -3825,7 +3825,7 @@
       </p:sp>
       <p:sp>
         <p:nvSpPr>
-          <p:cNvPr id="1135301549" name="Segnaposto contenuto 5"/>
+          <p:cNvPr id="281078882" name="Segnaposto contenuto 5"/>
           <p:cNvSpPr>
             <a:spLocks noGrp="1"/>
           </p:cNvSpPr>
@@ -3896,7 +3896,7 @@
       </p:sp>
       <p:sp>
         <p:nvSpPr>
-          <p:cNvPr id="1511758314" name="Segnaposto data 6"/>
+          <p:cNvPr id="1950341781" name="Segnaposto data 6"/>
           <p:cNvSpPr>
             <a:spLocks noGrp="1"/>
           </p:cNvSpPr>
@@ -3922,7 +3922,7 @@
       </p:sp>
       <p:sp>
         <p:nvSpPr>
-          <p:cNvPr id="1202206084" name="Segnaposto piè di pagina 7"/>
+          <p:cNvPr id="830151620" name="Segnaposto piè di pagina 7"/>
           <p:cNvSpPr>
             <a:spLocks noGrp="1"/>
           </p:cNvSpPr>
@@ -3948,7 +3948,7 @@
       </p:sp>
       <p:sp>
         <p:nvSpPr>
-          <p:cNvPr id="353579692" name="Segnaposto numero diapositiva 8"/>
+          <p:cNvPr id="622021200" name="Segnaposto numero diapositiva 8"/>
           <p:cNvSpPr>
             <a:spLocks noGrp="1"/>
           </p:cNvSpPr>
@@ -3999,7 +3999,7 @@
       </p:grpSpPr>
       <p:sp>
         <p:nvSpPr>
-          <p:cNvPr id="896579094" name="Titolo 1"/>
+          <p:cNvPr id="503315505" name="Titolo 1"/>
           <p:cNvSpPr>
             <a:spLocks noGrp="1"/>
           </p:cNvSpPr>
@@ -4025,7 +4025,7 @@
       </p:sp>
       <p:sp>
         <p:nvSpPr>
-          <p:cNvPr id="677620063" name="Segnaposto data 2"/>
+          <p:cNvPr id="1816149534" name="Segnaposto data 2"/>
           <p:cNvSpPr>
             <a:spLocks noGrp="1"/>
           </p:cNvSpPr>
@@ -4051,7 +4051,7 @@
       </p:sp>
       <p:sp>
         <p:nvSpPr>
-          <p:cNvPr id="1759520257" name="Segnaposto piè di pagina 3"/>
+          <p:cNvPr id="1262968246" name="Segnaposto piè di pagina 3"/>
           <p:cNvSpPr>
             <a:spLocks noGrp="1"/>
           </p:cNvSpPr>
@@ -4077,7 +4077,7 @@
       </p:sp>
       <p:sp>
         <p:nvSpPr>
-          <p:cNvPr id="1168775250" name="Segnaposto numero diapositiva 4"/>
+          <p:cNvPr id="628395175" name="Segnaposto numero diapositiva 4"/>
           <p:cNvSpPr>
             <a:spLocks noGrp="1"/>
           </p:cNvSpPr>
@@ -4128,7 +4128,7 @@
       </p:grpSpPr>
       <p:sp>
         <p:nvSpPr>
-          <p:cNvPr id="1692066173" name="Segnaposto data 1"/>
+          <p:cNvPr id="1879085861" name="Segnaposto data 1"/>
           <p:cNvSpPr>
             <a:spLocks noGrp="1"/>
           </p:cNvSpPr>
@@ -4154,7 +4154,7 @@
       </p:sp>
       <p:sp>
         <p:nvSpPr>
-          <p:cNvPr id="747844171" name="Segnaposto piè di pagina 2"/>
+          <p:cNvPr id="1433650885" name="Segnaposto piè di pagina 2"/>
           <p:cNvSpPr>
             <a:spLocks noGrp="1"/>
           </p:cNvSpPr>
@@ -4180,7 +4180,7 @@
       </p:sp>
       <p:sp>
         <p:nvSpPr>
-          <p:cNvPr id="1911375471" name="Segnaposto numero diapositiva 3"/>
+          <p:cNvPr id="710270276" name="Segnaposto numero diapositiva 3"/>
           <p:cNvSpPr>
             <a:spLocks noGrp="1"/>
           </p:cNvSpPr>
@@ -4231,7 +4231,7 @@
       </p:grpSpPr>
       <p:sp>
         <p:nvSpPr>
-          <p:cNvPr id="232901201" name="Titolo 1"/>
+          <p:cNvPr id="126184338" name="Titolo 1"/>
           <p:cNvSpPr>
             <a:spLocks noGrp="1"/>
           </p:cNvSpPr>
@@ -4266,7 +4266,7 @@
       </p:sp>
       <p:sp>
         <p:nvSpPr>
-          <p:cNvPr id="305988528" name="Segnaposto contenuto 2"/>
+          <p:cNvPr id="2041403189" name="Segnaposto contenuto 2"/>
           <p:cNvSpPr>
             <a:spLocks noGrp="1"/>
           </p:cNvSpPr>
@@ -4365,7 +4365,7 @@
       </p:sp>
       <p:sp>
         <p:nvSpPr>
-          <p:cNvPr id="957255702" name="Segnaposto testo 3"/>
+          <p:cNvPr id="1115392785" name="Segnaposto testo 3"/>
           <p:cNvSpPr>
             <a:spLocks noGrp="1"/>
           </p:cNvSpPr>
@@ -4433,7 +4433,7 @@
       </p:sp>
       <p:sp>
         <p:nvSpPr>
-          <p:cNvPr id="1428588396" name="Segnaposto data 4"/>
+          <p:cNvPr id="644320576" name="Segnaposto data 4"/>
           <p:cNvSpPr>
             <a:spLocks noGrp="1"/>
           </p:cNvSpPr>
@@ -4459,7 +4459,7 @@
       </p:sp>
       <p:sp>
         <p:nvSpPr>
-          <p:cNvPr id="1696007722" name="Segnaposto piè di pagina 5"/>
+          <p:cNvPr id="725345390" name="Segnaposto piè di pagina 5"/>
           <p:cNvSpPr>
             <a:spLocks noGrp="1"/>
           </p:cNvSpPr>
@@ -4485,7 +4485,7 @@
       </p:sp>
       <p:sp>
         <p:nvSpPr>
-          <p:cNvPr id="985777543" name="Segnaposto numero diapositiva 6"/>
+          <p:cNvPr id="1415624097" name="Segnaposto numero diapositiva 6"/>
           <p:cNvSpPr>
             <a:spLocks noGrp="1"/>
           </p:cNvSpPr>
@@ -4536,7 +4536,7 @@
       </p:grpSpPr>
       <p:sp>
         <p:nvSpPr>
-          <p:cNvPr id="2018166099" name="Titolo 1"/>
+          <p:cNvPr id="766628563" name="Titolo 1"/>
           <p:cNvSpPr>
             <a:spLocks noGrp="1"/>
           </p:cNvSpPr>
@@ -4571,7 +4571,7 @@
       </p:sp>
       <p:sp>
         <p:nvSpPr>
-          <p:cNvPr id="1385500343" name="Segnaposto immagine 2"/>
+          <p:cNvPr id="1011136337" name="Segnaposto immagine 2"/>
           <p:cNvSpPr>
             <a:spLocks noGrp="1"/>
           </p:cNvSpPr>
@@ -4635,7 +4635,7 @@
       </p:sp>
       <p:sp>
         <p:nvSpPr>
-          <p:cNvPr id="2067427556" name="Segnaposto testo 3"/>
+          <p:cNvPr id="16658803" name="Segnaposto testo 3"/>
           <p:cNvSpPr>
             <a:spLocks noGrp="1"/>
           </p:cNvSpPr>
@@ -4703,7 +4703,7 @@
       </p:sp>
       <p:sp>
         <p:nvSpPr>
-          <p:cNvPr id="1271592630" name="Segnaposto data 4"/>
+          <p:cNvPr id="2024863552" name="Segnaposto data 4"/>
           <p:cNvSpPr>
             <a:spLocks noGrp="1"/>
           </p:cNvSpPr>
@@ -4729,7 +4729,7 @@
       </p:sp>
       <p:sp>
         <p:nvSpPr>
-          <p:cNvPr id="442380542" name="Segnaposto piè di pagina 5"/>
+          <p:cNvPr id="1426398622" name="Segnaposto piè di pagina 5"/>
           <p:cNvSpPr>
             <a:spLocks noGrp="1"/>
           </p:cNvSpPr>
@@ -4755,7 +4755,7 @@
       </p:sp>
       <p:sp>
         <p:nvSpPr>
-          <p:cNvPr id="932466885" name="Segnaposto numero diapositiva 6"/>
+          <p:cNvPr id="897433330" name="Segnaposto numero diapositiva 6"/>
           <p:cNvSpPr>
             <a:spLocks noGrp="1"/>
           </p:cNvSpPr>
@@ -4811,7 +4811,7 @@
       </p:grpSpPr>
       <p:sp>
         <p:nvSpPr>
-          <p:cNvPr id="788519546" name="Segnaposto titolo 1"/>
+          <p:cNvPr id="1169853620" name="Segnaposto titolo 1"/>
           <p:cNvSpPr>
             <a:spLocks noGrp="1"/>
           </p:cNvSpPr>
@@ -4847,7 +4847,7 @@
       </p:sp>
       <p:sp>
         <p:nvSpPr>
-          <p:cNvPr id="1312061994" name="Segnaposto testo 2"/>
+          <p:cNvPr id="212287814" name="Segnaposto testo 2"/>
           <p:cNvSpPr>
             <a:spLocks noGrp="1"/>
           </p:cNvSpPr>
@@ -4923,7 +4923,7 @@
       </p:sp>
       <p:sp>
         <p:nvSpPr>
-          <p:cNvPr id="1765946821" name="Segnaposto data 3"/>
+          <p:cNvPr id="378011145" name="Segnaposto data 3"/>
           <p:cNvSpPr>
             <a:spLocks noGrp="1"/>
           </p:cNvSpPr>
@@ -4967,7 +4967,7 @@
       </p:sp>
       <p:sp>
         <p:nvSpPr>
-          <p:cNvPr id="1636838384" name="Segnaposto piè di pagina 4"/>
+          <p:cNvPr id="502723996" name="Segnaposto piè di pagina 4"/>
           <p:cNvSpPr>
             <a:spLocks noGrp="1"/>
           </p:cNvSpPr>
@@ -5011,7 +5011,7 @@
       </p:sp>
       <p:sp>
         <p:nvSpPr>
-          <p:cNvPr id="408468736" name="Segnaposto numero diapositiva 5"/>
+          <p:cNvPr id="658900313" name="Segnaposto numero diapositiva 5"/>
           <p:cNvSpPr>
             <a:spLocks noGrp="1"/>
           </p:cNvSpPr>
@@ -5047,7 +5047,7 @@
             </a:pPr>
             <a:fld id="{66CD45B7-DFE2-4393-8D37-380FC36BF3AA}" type="slidenum">
               <a:rPr lang="de-DE"/>
-              <a:t>21</a:t>
+              <a:t>9</a:t>
             </a:fld>
             <a:endParaRPr lang="de-DE"/>
           </a:p>
@@ -5372,7 +5372,7 @@
       </p:grpSpPr>
       <p:sp>
         <p:nvSpPr>
-          <p:cNvPr id="35558572" name="Rectangle: Diagonal Corners Snipped 3"/>
+          <p:cNvPr id="1004257918" name="Rectangle: Diagonal Corners Snipped 3"/>
           <p:cNvSpPr/>
           <p:nvPr/>
         </p:nvSpPr>
@@ -5426,7 +5426,7 @@
       </p:sp>
       <p:sp>
         <p:nvSpPr>
-          <p:cNvPr id="1648536868" name="Titolo 1"/>
+          <p:cNvPr id="41645295" name="Titolo 1"/>
           <p:cNvSpPr>
             <a:spLocks noGrp="1"/>
           </p:cNvSpPr>
@@ -5497,7 +5497,7 @@
       </p:sp>
       <p:sp>
         <p:nvSpPr>
-          <p:cNvPr id="1060306939" name="Sottotitolo 2"/>
+          <p:cNvPr id="1895486613" name="Sottotitolo 2"/>
           <p:cNvSpPr>
             <a:spLocks noGrp="1"/>
           </p:cNvSpPr>
@@ -5613,7 +5613,7 @@
       </p:grpSpPr>
       <p:sp>
         <p:nvSpPr>
-          <p:cNvPr id="269053792" name="Titolo 1"/>
+          <p:cNvPr id="1996555733" name="Titolo 1"/>
           <p:cNvSpPr>
             <a:spLocks noGrp="1"/>
           </p:cNvSpPr>
@@ -5666,7 +5666,7 @@
       </p:sp>
       <p:sp>
         <p:nvSpPr>
-          <p:cNvPr id="1818254684" name="Segnaposto contenuto 2"/>
+          <p:cNvPr id="166387272" name="Segnaposto contenuto 2"/>
           <p:cNvSpPr>
             <a:spLocks noGrp="1"/>
           </p:cNvSpPr>
@@ -5912,7 +5912,7 @@
                 <a:ea typeface="Microsoft Sans Serif"/>
                 <a:cs typeface="Microsoft Sans Serif"/>
               </a:rPr>
-              <a:t>handling of hypervisor request to manage Realms</a:t>
+              <a:t>handling of hypervisor request to manage realms</a:t>
             </a:r>
             <a:endParaRPr sz="2000" strike="noStrike" cap="none" spc="0">
               <a:latin typeface="Microsoft Sans Serif"/>
@@ -5960,7 +5960,7 @@
       </p:sp>
       <p:sp>
         <p:nvSpPr>
-          <p:cNvPr id="57518896" name="Segnaposto piè di pagina 3"/>
+          <p:cNvPr id="74284001" name="Segnaposto piè di pagina 3"/>
           <p:cNvSpPr>
             <a:spLocks noGrp="1"/>
           </p:cNvSpPr>
@@ -5991,7 +5991,7 @@
       </p:sp>
       <p:sp>
         <p:nvSpPr>
-          <p:cNvPr id="1598657350" name="Segnaposto numero diapositiva 4"/>
+          <p:cNvPr id="1405011710" name="Segnaposto numero diapositiva 4"/>
           <p:cNvSpPr>
             <a:spLocks noGrp="1"/>
           </p:cNvSpPr>
@@ -6050,7 +6050,7 @@
       </p:grpSpPr>
       <p:sp>
         <p:nvSpPr>
-          <p:cNvPr id="309073535" name="Titolo 1"/>
+          <p:cNvPr id="1144261045" name="Titolo 1"/>
           <p:cNvSpPr>
             <a:spLocks noGrp="1"/>
           </p:cNvSpPr>
@@ -6103,7 +6103,7 @@
       </p:sp>
       <p:sp>
         <p:nvSpPr>
-          <p:cNvPr id="873227589" name="Segnaposto contenuto 2"/>
+          <p:cNvPr id="2073445376" name="Segnaposto contenuto 2"/>
           <p:cNvSpPr>
             <a:spLocks noGrp="1"/>
           </p:cNvSpPr>
@@ -6451,7 +6451,7 @@
                 <a:ea typeface="Microsoft Sans Serif"/>
                 <a:cs typeface="Microsoft Sans Serif"/>
               </a:rPr>
-              <a:t>attestation report request and accepting devices assigned to Realms</a:t>
+              <a:t>attestation report request and accepting devices assigned to realms</a:t>
             </a:r>
             <a:endParaRPr lang="it-IT" sz="2000" b="0" strike="noStrike" cap="none" spc="0">
               <a:latin typeface="Microsoft Sans Serif"/>
@@ -6528,7 +6528,7 @@
                 <a:ea typeface="Microsoft Sans Serif"/>
                 <a:cs typeface="Microsoft Sans Serif"/>
               </a:rPr>
-              <a:t>enable direct communication between host and Realm</a:t>
+              <a:t>enable direct communication between host and realm</a:t>
             </a:r>
             <a:r>
               <a:rPr lang="it-IT" sz="2000" b="0" strike="noStrike" cap="none" spc="0">
@@ -6548,7 +6548,7 @@
       </p:sp>
       <p:sp>
         <p:nvSpPr>
-          <p:cNvPr id="1945207154" name="Segnaposto piè di pagina 3"/>
+          <p:cNvPr id="1306207139" name="Segnaposto piè di pagina 3"/>
           <p:cNvSpPr>
             <a:spLocks noGrp="1"/>
           </p:cNvSpPr>
@@ -6579,7 +6579,7 @@
       </p:sp>
       <p:sp>
         <p:nvSpPr>
-          <p:cNvPr id="1473610413" name="Segnaposto numero diapositiva 4"/>
+          <p:cNvPr id="1584054857" name="Segnaposto numero diapositiva 4"/>
           <p:cNvSpPr>
             <a:spLocks noGrp="1"/>
           </p:cNvSpPr>
@@ -6638,7 +6638,7 @@
       </p:grpSpPr>
       <p:sp>
         <p:nvSpPr>
-          <p:cNvPr id="715997533" name="Titolo 1"/>
+          <p:cNvPr id="501107373" name="Titolo 1"/>
           <p:cNvSpPr>
             <a:spLocks noGrp="1"/>
           </p:cNvSpPr>
@@ -6733,7 +6733,7 @@
       </p:sp>
       <p:sp>
         <p:nvSpPr>
-          <p:cNvPr id="1765921133" name="Segnaposto contenuto 2"/>
+          <p:cNvPr id="1777383399" name="Segnaposto contenuto 2"/>
           <p:cNvSpPr>
             <a:spLocks noGrp="1"/>
           </p:cNvSpPr>
@@ -7027,7 +7027,7 @@
       </p:sp>
       <p:sp>
         <p:nvSpPr>
-          <p:cNvPr id="1238600012" name="Segnaposto piè di pagina 3"/>
+          <p:cNvPr id="614247065" name="Segnaposto piè di pagina 3"/>
           <p:cNvSpPr>
             <a:spLocks noGrp="1"/>
           </p:cNvSpPr>
@@ -7058,7 +7058,7 @@
       </p:sp>
       <p:sp>
         <p:nvSpPr>
-          <p:cNvPr id="1568771868" name="Segnaposto numero diapositiva 4"/>
+          <p:cNvPr id="1517706429" name="Segnaposto numero diapositiva 4"/>
           <p:cNvSpPr>
             <a:spLocks noGrp="1"/>
           </p:cNvSpPr>
@@ -7117,7 +7117,7 @@
       </p:grpSpPr>
       <p:sp>
         <p:nvSpPr>
-          <p:cNvPr id="1613919468" name="Titolo 1"/>
+          <p:cNvPr id="1364001992" name="Titolo 1"/>
           <p:cNvSpPr>
             <a:spLocks noGrp="1"/>
           </p:cNvSpPr>
@@ -7184,7 +7184,7 @@
       </p:sp>
       <p:sp>
         <p:nvSpPr>
-          <p:cNvPr id="1334889216" name="Segnaposto contenuto 2"/>
+          <p:cNvPr id="448592237" name="Segnaposto contenuto 2"/>
           <p:cNvSpPr>
             <a:spLocks noGrp="1"/>
           </p:cNvSpPr>
@@ -7513,7 +7513,7 @@
       </p:sp>
       <p:sp>
         <p:nvSpPr>
-          <p:cNvPr id="918577228" name="Segnaposto piè di pagina 3"/>
+          <p:cNvPr id="1447670377" name="Segnaposto piè di pagina 3"/>
           <p:cNvSpPr>
             <a:spLocks noGrp="1"/>
           </p:cNvSpPr>
@@ -7544,7 +7544,7 @@
       </p:sp>
       <p:sp>
         <p:nvSpPr>
-          <p:cNvPr id="376528453" name="Segnaposto numero diapositiva 4"/>
+          <p:cNvPr id="1000591802" name="Segnaposto numero diapositiva 4"/>
           <p:cNvSpPr>
             <a:spLocks noGrp="1"/>
           </p:cNvSpPr>
@@ -7603,7 +7603,7 @@
       </p:grpSpPr>
       <p:sp>
         <p:nvSpPr>
-          <p:cNvPr id="116699653" name="Titolo 1"/>
+          <p:cNvPr id="266521279" name="Titolo 1"/>
           <p:cNvSpPr>
             <a:spLocks noGrp="1"/>
           </p:cNvSpPr>
@@ -7670,7 +7670,7 @@
       </p:sp>
       <p:sp>
         <p:nvSpPr>
-          <p:cNvPr id="1429771366" name="Segnaposto piè di pagina 3"/>
+          <p:cNvPr id="650461475" name="Segnaposto piè di pagina 3"/>
           <p:cNvSpPr>
             <a:spLocks noGrp="1"/>
           </p:cNvSpPr>
@@ -7701,7 +7701,7 @@
       </p:sp>
       <p:sp>
         <p:nvSpPr>
-          <p:cNvPr id="642986896" name="Segnaposto numero diapositiva 4"/>
+          <p:cNvPr id="484005065" name="Segnaposto numero diapositiva 4"/>
           <p:cNvSpPr>
             <a:spLocks noGrp="1"/>
           </p:cNvSpPr>
@@ -7727,7 +7727,7 @@
       </p:sp>
       <p:pic>
         <p:nvPicPr>
-          <p:cNvPr id="722925698" name=""/>
+          <p:cNvPr id="1480440771" name=""/>
           <p:cNvPicPr>
             <a:picLocks noChangeAspect="1"/>
           </p:cNvPicPr>
@@ -7782,7 +7782,7 @@
       </p:grpSpPr>
       <p:sp>
         <p:nvSpPr>
-          <p:cNvPr id="2009926655" name="Titolo 1"/>
+          <p:cNvPr id="173935551" name="Titolo 1"/>
           <p:cNvSpPr>
             <a:spLocks noGrp="1"/>
           </p:cNvSpPr>
@@ -7835,7 +7835,7 @@
       </p:sp>
       <p:sp>
         <p:nvSpPr>
-          <p:cNvPr id="1034837571" name="Segnaposto contenuto 2"/>
+          <p:cNvPr id="1508423864" name="Segnaposto contenuto 2"/>
           <p:cNvSpPr>
             <a:spLocks noGrp="1"/>
           </p:cNvSpPr>
@@ -8207,7 +8207,7 @@
       </p:sp>
       <p:sp>
         <p:nvSpPr>
-          <p:cNvPr id="2006567735" name="Segnaposto piè di pagina 3"/>
+          <p:cNvPr id="1244416518" name="Segnaposto piè di pagina 3"/>
           <p:cNvSpPr>
             <a:spLocks noGrp="1"/>
           </p:cNvSpPr>
@@ -8238,7 +8238,7 @@
       </p:sp>
       <p:sp>
         <p:nvSpPr>
-          <p:cNvPr id="264970774" name="Segnaposto numero diapositiva 4"/>
+          <p:cNvPr id="174655894" name="Segnaposto numero diapositiva 4"/>
           <p:cNvSpPr>
             <a:spLocks noGrp="1"/>
           </p:cNvSpPr>
@@ -8297,7 +8297,7 @@
       </p:grpSpPr>
       <p:sp>
         <p:nvSpPr>
-          <p:cNvPr id="848169042" name="Titolo 1"/>
+          <p:cNvPr id="1544299732" name="Titolo 1"/>
           <p:cNvSpPr>
             <a:spLocks noGrp="1"/>
           </p:cNvSpPr>
@@ -8350,7 +8350,7 @@
       </p:sp>
       <p:sp>
         <p:nvSpPr>
-          <p:cNvPr id="102092584" name="Segnaposto piè di pagina 3"/>
+          <p:cNvPr id="1581454324" name="Segnaposto piè di pagina 3"/>
           <p:cNvSpPr>
             <a:spLocks noGrp="1"/>
           </p:cNvSpPr>
@@ -8381,7 +8381,7 @@
       </p:sp>
       <p:sp>
         <p:nvSpPr>
-          <p:cNvPr id="999774100" name="Segnaposto numero diapositiva 4"/>
+          <p:cNvPr id="817095079" name="Segnaposto numero diapositiva 4"/>
           <p:cNvSpPr>
             <a:spLocks noGrp="1"/>
           </p:cNvSpPr>
@@ -8407,7 +8407,7 @@
       </p:sp>
       <p:pic>
         <p:nvPicPr>
-          <p:cNvPr id="127136245" name=""/>
+          <p:cNvPr id="81991284" name=""/>
           <p:cNvPicPr>
             <a:picLocks noChangeAspect="1"/>
           </p:cNvPicPr>
@@ -8462,7 +8462,7 @@
       </p:grpSpPr>
       <p:sp>
         <p:nvSpPr>
-          <p:cNvPr id="1136451315" name="Titolo 1"/>
+          <p:cNvPr id="1957452694" name="Titolo 1"/>
           <p:cNvSpPr>
             <a:spLocks noGrp="1"/>
           </p:cNvSpPr>
@@ -8515,7 +8515,7 @@
       </p:sp>
       <p:sp>
         <p:nvSpPr>
-          <p:cNvPr id="1923307887" name="Segnaposto contenuto 2"/>
+          <p:cNvPr id="2011377988" name="Segnaposto contenuto 2"/>
           <p:cNvSpPr>
             <a:spLocks noGrp="1"/>
           </p:cNvSpPr>
@@ -8956,7 +8956,7 @@
       </p:sp>
       <p:sp>
         <p:nvSpPr>
-          <p:cNvPr id="458831977" name="Segnaposto piè di pagina 3"/>
+          <p:cNvPr id="1233695550" name="Segnaposto piè di pagina 3"/>
           <p:cNvSpPr>
             <a:spLocks noGrp="1"/>
           </p:cNvSpPr>
@@ -8987,7 +8987,7 @@
       </p:sp>
       <p:sp>
         <p:nvSpPr>
-          <p:cNvPr id="1947605415" name="Segnaposto numero diapositiva 4"/>
+          <p:cNvPr id="254836504" name="Segnaposto numero diapositiva 4"/>
           <p:cNvSpPr>
             <a:spLocks noGrp="1"/>
           </p:cNvSpPr>
@@ -9046,7 +9046,7 @@
       </p:grpSpPr>
       <p:sp>
         <p:nvSpPr>
-          <p:cNvPr id="1265820863" name="Titolo 1"/>
+          <p:cNvPr id="2120669650" name="Titolo 1"/>
           <p:cNvSpPr>
             <a:spLocks noGrp="1"/>
           </p:cNvSpPr>
@@ -9099,7 +9099,7 @@
       </p:sp>
       <p:sp>
         <p:nvSpPr>
-          <p:cNvPr id="428123261" name="Segnaposto piè di pagina 3"/>
+          <p:cNvPr id="359491692" name="Segnaposto piè di pagina 3"/>
           <p:cNvSpPr>
             <a:spLocks noGrp="1"/>
           </p:cNvSpPr>
@@ -9130,7 +9130,7 @@
       </p:sp>
       <p:sp>
         <p:nvSpPr>
-          <p:cNvPr id="632269142" name="Segnaposto numero diapositiva 4"/>
+          <p:cNvPr id="343719232" name="Segnaposto numero diapositiva 4"/>
           <p:cNvSpPr>
             <a:spLocks noGrp="1"/>
           </p:cNvSpPr>
@@ -9156,7 +9156,7 @@
       </p:sp>
       <p:graphicFrame>
         <p:nvGraphicFramePr>
-          <p:cNvPr id="1865264" name=""/>
+          <p:cNvPr id="218097066" name=""/>
           <p:cNvGraphicFramePr>
             <a:graphicFrameLocks xmlns:a="http://schemas.openxmlformats.org/drawingml/2006/main"/>
           </p:cNvGraphicFramePr>
@@ -9579,7 +9579,7 @@
       </p:grpSpPr>
       <p:sp>
         <p:nvSpPr>
-          <p:cNvPr id="2011266162" name="Titolo 1"/>
+          <p:cNvPr id="1022453303" name="Titolo 1"/>
           <p:cNvSpPr>
             <a:spLocks noGrp="1"/>
           </p:cNvSpPr>
@@ -9632,7 +9632,7 @@
       </p:sp>
       <p:sp>
         <p:nvSpPr>
-          <p:cNvPr id="73636608" name="Segnaposto contenuto 2"/>
+          <p:cNvPr id="424293951" name="Segnaposto contenuto 2"/>
           <p:cNvSpPr>
             <a:spLocks noGrp="1"/>
           </p:cNvSpPr>
@@ -9954,7 +9954,7 @@
       </p:sp>
       <p:sp>
         <p:nvSpPr>
-          <p:cNvPr id="1561967683" name="Segnaposto piè di pagina 3"/>
+          <p:cNvPr id="819388454" name="Segnaposto piè di pagina 3"/>
           <p:cNvSpPr>
             <a:spLocks noGrp="1"/>
           </p:cNvSpPr>
@@ -9985,7 +9985,7 @@
       </p:sp>
       <p:sp>
         <p:nvSpPr>
-          <p:cNvPr id="470805799" name="Segnaposto numero diapositiva 4"/>
+          <p:cNvPr id="1007790960" name="Segnaposto numero diapositiva 4"/>
           <p:cNvSpPr>
             <a:spLocks noGrp="1"/>
           </p:cNvSpPr>
@@ -10044,7 +10044,7 @@
       </p:grpSpPr>
       <p:sp>
         <p:nvSpPr>
-          <p:cNvPr id="925034841" name="Titolo 1"/>
+          <p:cNvPr id="2135035479" name="Titolo 1"/>
           <p:cNvSpPr>
             <a:spLocks noGrp="1"/>
           </p:cNvSpPr>
@@ -10095,7 +10095,7 @@
       </p:sp>
       <p:sp>
         <p:nvSpPr>
-          <p:cNvPr id="2079067763" name="Segnaposto contenuto 2"/>
+          <p:cNvPr id="1028261441" name="Segnaposto contenuto 2"/>
           <p:cNvSpPr>
             <a:spLocks noGrp="1"/>
           </p:cNvSpPr>
@@ -10604,7 +10604,7 @@
       </p:sp>
       <p:sp>
         <p:nvSpPr>
-          <p:cNvPr id="1046425782" name="Segnaposto piè di pagina 3"/>
+          <p:cNvPr id="632907097" name="Segnaposto piè di pagina 3"/>
           <p:cNvSpPr>
             <a:spLocks noGrp="1"/>
           </p:cNvSpPr>
@@ -10635,7 +10635,7 @@
       </p:sp>
       <p:sp>
         <p:nvSpPr>
-          <p:cNvPr id="1619897580" name="Segnaposto numero diapositiva 4"/>
+          <p:cNvPr id="1021948483" name="Segnaposto numero diapositiva 4"/>
           <p:cNvSpPr>
             <a:spLocks noGrp="1"/>
           </p:cNvSpPr>
@@ -10694,7 +10694,7 @@
       </p:grpSpPr>
       <p:sp>
         <p:nvSpPr>
-          <p:cNvPr id="376668478" name="Titolo 1"/>
+          <p:cNvPr id="1461432335" name="Titolo 1"/>
           <p:cNvSpPr>
             <a:spLocks noGrp="1"/>
           </p:cNvSpPr>
@@ -10747,7 +10747,7 @@
       </p:sp>
       <p:sp>
         <p:nvSpPr>
-          <p:cNvPr id="863488112" name="Segnaposto contenuto 2"/>
+          <p:cNvPr id="2068410805" name="Segnaposto contenuto 2"/>
           <p:cNvSpPr>
             <a:spLocks noGrp="1"/>
           </p:cNvSpPr>
@@ -11210,7 +11210,7 @@
       </p:sp>
       <p:sp>
         <p:nvSpPr>
-          <p:cNvPr id="25871673" name="Segnaposto piè di pagina 3"/>
+          <p:cNvPr id="2140785099" name="Segnaposto piè di pagina 3"/>
           <p:cNvSpPr>
             <a:spLocks noGrp="1"/>
           </p:cNvSpPr>
@@ -11241,7 +11241,7 @@
       </p:sp>
       <p:sp>
         <p:nvSpPr>
-          <p:cNvPr id="518600181" name="Segnaposto numero diapositiva 4"/>
+          <p:cNvPr id="1066593790" name="Segnaposto numero diapositiva 4"/>
           <p:cNvSpPr>
             <a:spLocks noGrp="1"/>
           </p:cNvSpPr>
@@ -11300,7 +11300,7 @@
       </p:grpSpPr>
       <p:sp>
         <p:nvSpPr>
-          <p:cNvPr id="1937613967" name="Titolo 1"/>
+          <p:cNvPr id="1026751479" name="Titolo 1"/>
           <p:cNvSpPr>
             <a:spLocks noGrp="1"/>
           </p:cNvSpPr>
@@ -11353,7 +11353,7 @@
       </p:sp>
       <p:sp>
         <p:nvSpPr>
-          <p:cNvPr id="260869873" name="Segnaposto contenuto 2"/>
+          <p:cNvPr id="1506015029" name="Segnaposto contenuto 2"/>
           <p:cNvSpPr>
             <a:spLocks noGrp="1"/>
           </p:cNvSpPr>
@@ -11642,7 +11642,7 @@
       </p:sp>
       <p:sp>
         <p:nvSpPr>
-          <p:cNvPr id="211484112" name="Segnaposto piè di pagina 3"/>
+          <p:cNvPr id="194015566" name="Segnaposto piè di pagina 3"/>
           <p:cNvSpPr>
             <a:spLocks noGrp="1"/>
           </p:cNvSpPr>
@@ -11673,7 +11673,7 @@
       </p:sp>
       <p:sp>
         <p:nvSpPr>
-          <p:cNvPr id="117560949" name="Segnaposto numero diapositiva 4"/>
+          <p:cNvPr id="1680382565" name="Segnaposto numero diapositiva 4"/>
           <p:cNvSpPr>
             <a:spLocks noGrp="1"/>
           </p:cNvSpPr>
@@ -11732,7 +11732,7 @@
       </p:grpSpPr>
       <p:sp>
         <p:nvSpPr>
-          <p:cNvPr id="1932097211" name="Titolo 1"/>
+          <p:cNvPr id="216577250" name="Titolo 1"/>
           <p:cNvSpPr>
             <a:spLocks noGrp="1"/>
           </p:cNvSpPr>
@@ -11839,7 +11839,7 @@
       </p:sp>
       <p:sp>
         <p:nvSpPr>
-          <p:cNvPr id="141884465" name="Segnaposto contenuto 2"/>
+          <p:cNvPr id="1527483424" name="Segnaposto contenuto 2"/>
           <p:cNvSpPr>
             <a:spLocks noGrp="1"/>
           </p:cNvSpPr>
@@ -12374,7 +12374,7 @@
       </p:sp>
       <p:sp>
         <p:nvSpPr>
-          <p:cNvPr id="800467397" name="Segnaposto piè di pagina 3"/>
+          <p:cNvPr id="450413191" name="Segnaposto piè di pagina 3"/>
           <p:cNvSpPr>
             <a:spLocks noGrp="1"/>
           </p:cNvSpPr>
@@ -12405,7 +12405,7 @@
       </p:sp>
       <p:sp>
         <p:nvSpPr>
-          <p:cNvPr id="1855251471" name="Segnaposto numero diapositiva 4"/>
+          <p:cNvPr id="1912464613" name="Segnaposto numero diapositiva 4"/>
           <p:cNvSpPr>
             <a:spLocks noGrp="1"/>
           </p:cNvSpPr>
@@ -12464,7 +12464,7 @@
       </p:grpSpPr>
       <p:sp>
         <p:nvSpPr>
-          <p:cNvPr id="1732938472" name="Titolo 1"/>
+          <p:cNvPr id="776086969" name="Titolo 1"/>
           <p:cNvSpPr>
             <a:spLocks noGrp="1"/>
           </p:cNvSpPr>
@@ -12515,7 +12515,7 @@
       </p:sp>
       <p:sp>
         <p:nvSpPr>
-          <p:cNvPr id="834047268" name="Segnaposto contenuto 2"/>
+          <p:cNvPr id="1796467898" name="Segnaposto contenuto 2"/>
           <p:cNvSpPr>
             <a:spLocks noGrp="1"/>
           </p:cNvSpPr>
@@ -12978,7 +12978,7 @@
       </p:sp>
       <p:sp>
         <p:nvSpPr>
-          <p:cNvPr id="278560168" name="Segnaposto piè di pagina 3"/>
+          <p:cNvPr id="143985403" name="Segnaposto piè di pagina 3"/>
           <p:cNvSpPr>
             <a:spLocks noGrp="1"/>
           </p:cNvSpPr>
@@ -13009,7 +13009,7 @@
       </p:sp>
       <p:sp>
         <p:nvSpPr>
-          <p:cNvPr id="163858858" name="Segnaposto numero diapositiva 4"/>
+          <p:cNvPr id="543872774" name="Segnaposto numero diapositiva 4"/>
           <p:cNvSpPr>
             <a:spLocks noGrp="1"/>
           </p:cNvSpPr>
@@ -13068,7 +13068,7 @@
       </p:grpSpPr>
       <p:sp>
         <p:nvSpPr>
-          <p:cNvPr id="1392572566" name="Titolo 1"/>
+          <p:cNvPr id="727170213" name="Titolo 1"/>
           <p:cNvSpPr>
             <a:spLocks noGrp="1"/>
           </p:cNvSpPr>
@@ -13119,7 +13119,7 @@
       </p:sp>
       <p:sp>
         <p:nvSpPr>
-          <p:cNvPr id="665327039" name="Segnaposto piè di pagina 3"/>
+          <p:cNvPr id="1113613882" name="Segnaposto piè di pagina 3"/>
           <p:cNvSpPr>
             <a:spLocks noGrp="1"/>
           </p:cNvSpPr>
@@ -13150,7 +13150,7 @@
       </p:sp>
       <p:sp>
         <p:nvSpPr>
-          <p:cNvPr id="590409851" name="Segnaposto numero diapositiva 4"/>
+          <p:cNvPr id="1323060311" name="Segnaposto numero diapositiva 4"/>
           <p:cNvSpPr>
             <a:spLocks noGrp="1"/>
           </p:cNvSpPr>
@@ -13176,7 +13176,7 @@
       </p:sp>
       <p:pic>
         <p:nvPicPr>
-          <p:cNvPr id="2059028571" name=""/>
+          <p:cNvPr id="950378822" name=""/>
           <p:cNvPicPr>
             <a:picLocks noChangeAspect="1"/>
           </p:cNvPicPr>
@@ -13237,7 +13237,7 @@
       </p:grpSpPr>
       <p:sp>
         <p:nvSpPr>
-          <p:cNvPr id="466100737" name="Titolo 1"/>
+          <p:cNvPr id="1516324740" name="Titolo 1"/>
           <p:cNvSpPr>
             <a:spLocks noGrp="1"/>
           </p:cNvSpPr>
@@ -13288,7 +13288,7 @@
       </p:sp>
       <p:sp>
         <p:nvSpPr>
-          <p:cNvPr id="320323424" name="Segnaposto contenuto 2"/>
+          <p:cNvPr id="586031938" name="Segnaposto contenuto 2"/>
           <p:cNvSpPr>
             <a:spLocks noGrp="1"/>
           </p:cNvSpPr>
@@ -13565,7 +13565,7 @@
       </p:sp>
       <p:sp>
         <p:nvSpPr>
-          <p:cNvPr id="1716471760" name="Segnaposto piè di pagina 3"/>
+          <p:cNvPr id="1002921030" name="Segnaposto piè di pagina 3"/>
           <p:cNvSpPr>
             <a:spLocks noGrp="1"/>
           </p:cNvSpPr>
@@ -13596,7 +13596,7 @@
       </p:sp>
       <p:sp>
         <p:nvSpPr>
-          <p:cNvPr id="2132789876" name="Segnaposto numero diapositiva 4"/>
+          <p:cNvPr id="1033990519" name="Segnaposto numero diapositiva 4"/>
           <p:cNvSpPr>
             <a:spLocks noGrp="1"/>
           </p:cNvSpPr>
@@ -13655,7 +13655,7 @@
       </p:grpSpPr>
       <p:sp>
         <p:nvSpPr>
-          <p:cNvPr id="1827024791" name="Titolo 1"/>
+          <p:cNvPr id="1260408936" name="Titolo 1"/>
           <p:cNvSpPr>
             <a:spLocks noGrp="1"/>
           </p:cNvSpPr>
@@ -13706,7 +13706,7 @@
       </p:sp>
       <p:sp>
         <p:nvSpPr>
-          <p:cNvPr id="1813788884" name="Segnaposto contenuto 2"/>
+          <p:cNvPr id="1770939599" name="Segnaposto contenuto 2"/>
           <p:cNvSpPr>
             <a:spLocks noGrp="1"/>
           </p:cNvSpPr>
@@ -14136,7 +14136,7 @@
       </p:sp>
       <p:sp>
         <p:nvSpPr>
-          <p:cNvPr id="586612732" name="Segnaposto piè di pagina 3"/>
+          <p:cNvPr id="2057010749" name="Segnaposto piè di pagina 3"/>
           <p:cNvSpPr>
             <a:spLocks noGrp="1"/>
           </p:cNvSpPr>
@@ -14167,7 +14167,7 @@
       </p:sp>
       <p:sp>
         <p:nvSpPr>
-          <p:cNvPr id="1193291839" name="Segnaposto numero diapositiva 4"/>
+          <p:cNvPr id="1947566319" name="Segnaposto numero diapositiva 4"/>
           <p:cNvSpPr>
             <a:spLocks noGrp="1"/>
           </p:cNvSpPr>
@@ -14226,7 +14226,7 @@
       </p:grpSpPr>
       <p:sp>
         <p:nvSpPr>
-          <p:cNvPr id="422901225" name="Titolo 1"/>
+          <p:cNvPr id="343009043" name="Titolo 1"/>
           <p:cNvSpPr>
             <a:spLocks noGrp="1"/>
           </p:cNvSpPr>
@@ -14277,7 +14277,7 @@
       </p:sp>
       <p:sp>
         <p:nvSpPr>
-          <p:cNvPr id="637703400" name="Segnaposto piè di pagina 3"/>
+          <p:cNvPr id="191132175" name="Segnaposto piè di pagina 3"/>
           <p:cNvSpPr>
             <a:spLocks noGrp="1"/>
           </p:cNvSpPr>
@@ -14308,7 +14308,7 @@
       </p:sp>
       <p:sp>
         <p:nvSpPr>
-          <p:cNvPr id="1646745128" name="Segnaposto numero diapositiva 4"/>
+          <p:cNvPr id="1746775703" name="Segnaposto numero diapositiva 4"/>
           <p:cNvSpPr>
             <a:spLocks noGrp="1"/>
           </p:cNvSpPr>
@@ -14334,7 +14334,7 @@
       </p:sp>
       <p:pic>
         <p:nvPicPr>
-          <p:cNvPr id="1705642717" name=""/>
+          <p:cNvPr id="737107531" name=""/>
           <p:cNvPicPr>
             <a:picLocks noChangeAspect="1"/>
           </p:cNvPicPr>
@@ -14395,7 +14395,7 @@
       </p:grpSpPr>
       <p:sp>
         <p:nvSpPr>
-          <p:cNvPr id="336047046" name="Titolo 1"/>
+          <p:cNvPr id="922087754" name="Titolo 1"/>
           <p:cNvSpPr>
             <a:spLocks noGrp="1"/>
           </p:cNvSpPr>
@@ -14448,7 +14448,7 @@
       </p:sp>
       <p:sp>
         <p:nvSpPr>
-          <p:cNvPr id="1097495111" name="Segnaposto contenuto 2"/>
+          <p:cNvPr id="130656437" name="Segnaposto contenuto 2"/>
           <p:cNvSpPr>
             <a:spLocks noGrp="1"/>
           </p:cNvSpPr>
@@ -14996,7 +14996,7 @@
       </p:sp>
       <p:sp>
         <p:nvSpPr>
-          <p:cNvPr id="1528528725" name="Segnaposto piè di pagina 3"/>
+          <p:cNvPr id="1835708604" name="Segnaposto piè di pagina 3"/>
           <p:cNvSpPr>
             <a:spLocks noGrp="1"/>
           </p:cNvSpPr>
@@ -15027,7 +15027,7 @@
       </p:sp>
       <p:sp>
         <p:nvSpPr>
-          <p:cNvPr id="1532912800" name="Segnaposto numero diapositiva 4"/>
+          <p:cNvPr id="1681816643" name="Segnaposto numero diapositiva 4"/>
           <p:cNvSpPr>
             <a:spLocks noGrp="1"/>
           </p:cNvSpPr>
